--- a/slide/themes/src/11_tort.pptx
+++ b/slide/themes/src/11_tort.pptx
@@ -11,7 +11,7 @@
   <p:notesSz cx="6858000" cy="9144000"/>
   <p:defaultTextStyle>
     <a:defPPr>
-      <a:defRPr lang="ru-RU"/>
+      <a:defRPr lang="en-US"/>
     </a:defPPr>
     <a:lvl1pPr marL="0" algn="l" defTabSz="914400" rtl="0" eaLnBrk="1" latinLnBrk="0" hangingPunct="1">
       <a:defRPr sz="1800" kern="1200">
@@ -582,7 +582,7 @@
       </p:sp>
       <p:sp>
         <p:nvSpPr>
-          <p:cNvPr id="3" name="Подзаголовок 2"/>
+          <p:cNvPr id="3" name="Subtitle 2"/>
           <p:cNvSpPr>
             <a:spLocks noGrp="1"/>
           </p:cNvSpPr>
@@ -693,16 +693,16 @@
           </a:lstStyle>
           <a:p>
             <a:r>
-              <a:rPr lang="ru-RU" dirty="0" smtClean="0"/>
-              <a:t>Образец подзаголовка</a:t>
-            </a:r>
-            <a:endParaRPr lang="ru-RU" dirty="0"/>
-          </a:p>
-        </p:txBody>
-      </p:sp>
-      <p:sp>
-        <p:nvSpPr>
-          <p:cNvPr id="4" name="Дата 3"/>
+              <a:rPr lang="en-US" dirty="0" smtClean="0"/>
+              <a:t>Click to edit Master subtitle style</a:t>
+            </a:r>
+            <a:endParaRPr lang="en-US" dirty="0"/>
+          </a:p>
+        </p:txBody>
+      </p:sp>
+      <p:sp>
+        <p:nvSpPr>
+          <p:cNvPr id="4" name="Date Placeholder 3"/>
           <p:cNvSpPr>
             <a:spLocks noGrp="1"/>
           </p:cNvSpPr>
@@ -716,16 +716,16 @@
           <a:lstStyle/>
           <a:p>
             <a:fld id="{A69D51E0-3758-456B-809F-07B187805C7D}" type="datetimeFigureOut">
-              <a:rPr lang="ru-RU" smtClean="0"/>
+              <a:rPr lang="en-US" smtClean="0"/>
               <a:t>22.10.2013</a:t>
             </a:fld>
-            <a:endParaRPr lang="ru-RU"/>
-          </a:p>
-        </p:txBody>
-      </p:sp>
-      <p:sp>
-        <p:nvSpPr>
-          <p:cNvPr id="5" name="Нижний колонтитул 4"/>
+            <a:endParaRPr lang="en-US"/>
+          </a:p>
+        </p:txBody>
+      </p:sp>
+      <p:sp>
+        <p:nvSpPr>
+          <p:cNvPr id="5" name="Footer Placeholder 4"/>
           <p:cNvSpPr>
             <a:spLocks noGrp="1"/>
           </p:cNvSpPr>
@@ -738,13 +738,13 @@
           <a:bodyPr/>
           <a:lstStyle/>
           <a:p>
-            <a:endParaRPr lang="ru-RU"/>
-          </a:p>
-        </p:txBody>
-      </p:sp>
-      <p:sp>
-        <p:nvSpPr>
-          <p:cNvPr id="6" name="Номер слайда 5"/>
+            <a:endParaRPr lang="en-US"/>
+          </a:p>
+        </p:txBody>
+      </p:sp>
+      <p:sp>
+        <p:nvSpPr>
+          <p:cNvPr id="6" name="Slide Number Placeholder 5"/>
           <p:cNvSpPr>
             <a:spLocks noGrp="1"/>
           </p:cNvSpPr>
@@ -758,16 +758,16 @@
           <a:lstStyle/>
           <a:p>
             <a:fld id="{4D3B38E7-149F-4D77-9EEF-9309C2CB69A9}" type="slidenum">
-              <a:rPr lang="ru-RU" smtClean="0"/>
+              <a:rPr lang="en-US" smtClean="0"/>
               <a:t>‹#›</a:t>
             </a:fld>
-            <a:endParaRPr lang="ru-RU"/>
-          </a:p>
-        </p:txBody>
-      </p:sp>
-      <p:sp>
-        <p:nvSpPr>
-          <p:cNvPr id="7" name="Заголовок 6"/>
+            <a:endParaRPr lang="en-US"/>
+          </a:p>
+        </p:txBody>
+      </p:sp>
+      <p:sp>
+        <p:nvSpPr>
+          <p:cNvPr id="7" name="Title 6"/>
           <p:cNvSpPr>
             <a:spLocks noGrp="1"/>
           </p:cNvSpPr>
@@ -790,10 +790,10 @@
           </a:lstStyle>
           <a:p>
             <a:r>
-              <a:rPr lang="ru-RU" dirty="0" smtClean="0"/>
-              <a:t>Образец заголовка</a:t>
-            </a:r>
-            <a:endParaRPr lang="ru-RU" dirty="0"/>
+              <a:rPr lang="en-US" dirty="0" smtClean="0"/>
+              <a:t>Click to edit Master title style</a:t>
+            </a:r>
+            <a:endParaRPr lang="en-US" dirty="0"/>
           </a:p>
         </p:txBody>
       </p:sp>
@@ -829,7 +829,7 @@
       </p:grpSpPr>
       <p:sp>
         <p:nvSpPr>
-          <p:cNvPr id="2" name="Заголовок 1"/>
+          <p:cNvPr id="2" name="Title 1"/>
           <p:cNvSpPr>
             <a:spLocks noGrp="1"/>
           </p:cNvSpPr>
@@ -843,16 +843,16 @@
           <a:lstStyle/>
           <a:p>
             <a:r>
-              <a:rPr lang="ru-RU" smtClean="0"/>
-              <a:t>Образец заголовка</a:t>
-            </a:r>
-            <a:endParaRPr lang="ru-RU"/>
-          </a:p>
-        </p:txBody>
-      </p:sp>
-      <p:sp>
-        <p:nvSpPr>
-          <p:cNvPr id="3" name="Вертикальный текст 2"/>
+              <a:rPr lang="en-US" smtClean="0"/>
+              <a:t>Click to edit Master title style</a:t>
+            </a:r>
+            <a:endParaRPr lang="en-US"/>
+          </a:p>
+        </p:txBody>
+      </p:sp>
+      <p:sp>
+        <p:nvSpPr>
+          <p:cNvPr id="3" name="Vertical Text Placeholder 2"/>
           <p:cNvSpPr>
             <a:spLocks noGrp="1"/>
           </p:cNvSpPr>
@@ -867,44 +867,44 @@
           <a:p>
             <a:pPr lvl="0"/>
             <a:r>
-              <a:rPr lang="ru-RU" smtClean="0"/>
-              <a:t>Образец текста</a:t>
+              <a:rPr lang="en-US" smtClean="0"/>
+              <a:t>Click to edit Master text styles</a:t>
             </a:r>
           </a:p>
           <a:p>
             <a:pPr lvl="1"/>
             <a:r>
-              <a:rPr lang="ru-RU" smtClean="0"/>
-              <a:t>Второй уровень</a:t>
+              <a:rPr lang="en-US" smtClean="0"/>
+              <a:t>Second level</a:t>
             </a:r>
           </a:p>
           <a:p>
             <a:pPr lvl="2"/>
             <a:r>
-              <a:rPr lang="ru-RU" smtClean="0"/>
-              <a:t>Третий уровень</a:t>
+              <a:rPr lang="en-US" smtClean="0"/>
+              <a:t>Third level</a:t>
             </a:r>
           </a:p>
           <a:p>
             <a:pPr lvl="3"/>
             <a:r>
-              <a:rPr lang="ru-RU" smtClean="0"/>
-              <a:t>Четвертый уровень</a:t>
+              <a:rPr lang="en-US" smtClean="0"/>
+              <a:t>Fourth level</a:t>
             </a:r>
           </a:p>
           <a:p>
             <a:pPr lvl="4"/>
             <a:r>
-              <a:rPr lang="ru-RU" smtClean="0"/>
-              <a:t>Пятый уровень</a:t>
-            </a:r>
-            <a:endParaRPr lang="ru-RU"/>
-          </a:p>
-        </p:txBody>
-      </p:sp>
-      <p:sp>
-        <p:nvSpPr>
-          <p:cNvPr id="4" name="Дата 3"/>
+              <a:rPr lang="en-US" smtClean="0"/>
+              <a:t>Fifth level</a:t>
+            </a:r>
+            <a:endParaRPr lang="en-US"/>
+          </a:p>
+        </p:txBody>
+      </p:sp>
+      <p:sp>
+        <p:nvSpPr>
+          <p:cNvPr id="4" name="Date Placeholder 3"/>
           <p:cNvSpPr>
             <a:spLocks noGrp="1"/>
           </p:cNvSpPr>
@@ -918,16 +918,16 @@
           <a:lstStyle/>
           <a:p>
             <a:fld id="{A69D51E0-3758-456B-809F-07B187805C7D}" type="datetimeFigureOut">
-              <a:rPr lang="ru-RU" smtClean="0"/>
+              <a:rPr lang="en-US" smtClean="0"/>
               <a:t>22.10.2013</a:t>
             </a:fld>
-            <a:endParaRPr lang="ru-RU"/>
-          </a:p>
-        </p:txBody>
-      </p:sp>
-      <p:sp>
-        <p:nvSpPr>
-          <p:cNvPr id="5" name="Нижний колонтитул 4"/>
+            <a:endParaRPr lang="en-US"/>
+          </a:p>
+        </p:txBody>
+      </p:sp>
+      <p:sp>
+        <p:nvSpPr>
+          <p:cNvPr id="5" name="Footer Placeholder 4"/>
           <p:cNvSpPr>
             <a:spLocks noGrp="1"/>
           </p:cNvSpPr>
@@ -940,13 +940,13 @@
           <a:bodyPr/>
           <a:lstStyle/>
           <a:p>
-            <a:endParaRPr lang="ru-RU"/>
-          </a:p>
-        </p:txBody>
-      </p:sp>
-      <p:sp>
-        <p:nvSpPr>
-          <p:cNvPr id="6" name="Номер слайда 5"/>
+            <a:endParaRPr lang="en-US"/>
+          </a:p>
+        </p:txBody>
+      </p:sp>
+      <p:sp>
+        <p:nvSpPr>
+          <p:cNvPr id="6" name="Slide Number Placeholder 5"/>
           <p:cNvSpPr>
             <a:spLocks noGrp="1"/>
           </p:cNvSpPr>
@@ -960,10 +960,10 @@
           <a:lstStyle/>
           <a:p>
             <a:fld id="{4D3B38E7-149F-4D77-9EEF-9309C2CB69A9}" type="slidenum">
-              <a:rPr lang="ru-RU" smtClean="0"/>
+              <a:rPr lang="en-US" smtClean="0"/>
               <a:t>‹#›</a:t>
             </a:fld>
-            <a:endParaRPr lang="ru-RU"/>
+            <a:endParaRPr lang="en-US"/>
           </a:p>
         </p:txBody>
       </p:sp>
@@ -999,7 +999,7 @@
       </p:grpSpPr>
       <p:sp>
         <p:nvSpPr>
-          <p:cNvPr id="2" name="Вертикальный заголовок 1"/>
+          <p:cNvPr id="2" name="Vertical Title 1"/>
           <p:cNvSpPr>
             <a:spLocks noGrp="1"/>
           </p:cNvSpPr>
@@ -1022,16 +1022,16 @@
           </a:lstStyle>
           <a:p>
             <a:r>
-              <a:rPr lang="ru-RU" dirty="0" smtClean="0"/>
-              <a:t>Образец заголовка</a:t>
-            </a:r>
-            <a:endParaRPr lang="ru-RU" dirty="0"/>
-          </a:p>
-        </p:txBody>
-      </p:sp>
-      <p:sp>
-        <p:nvSpPr>
-          <p:cNvPr id="3" name="Вертикальный текст 2"/>
+              <a:rPr lang="en-US" dirty="0" smtClean="0"/>
+              <a:t>Click to edit Master title style</a:t>
+            </a:r>
+            <a:endParaRPr lang="en-US" dirty="0"/>
+          </a:p>
+        </p:txBody>
+      </p:sp>
+      <p:sp>
+        <p:nvSpPr>
+          <p:cNvPr id="3" name="Vertical Text Placeholder 2"/>
           <p:cNvSpPr>
             <a:spLocks noGrp="1"/>
           </p:cNvSpPr>
@@ -1051,44 +1051,44 @@
           <a:p>
             <a:pPr lvl="0"/>
             <a:r>
-              <a:rPr lang="ru-RU" smtClean="0"/>
-              <a:t>Образец текста</a:t>
+              <a:rPr lang="en-US" smtClean="0"/>
+              <a:t>Click to edit Master text styles</a:t>
             </a:r>
           </a:p>
           <a:p>
             <a:pPr lvl="1"/>
             <a:r>
-              <a:rPr lang="ru-RU" smtClean="0"/>
-              <a:t>Второй уровень</a:t>
+              <a:rPr lang="en-US" smtClean="0"/>
+              <a:t>Second level</a:t>
             </a:r>
           </a:p>
           <a:p>
             <a:pPr lvl="2"/>
             <a:r>
-              <a:rPr lang="ru-RU" smtClean="0"/>
-              <a:t>Третий уровень</a:t>
+              <a:rPr lang="en-US" smtClean="0"/>
+              <a:t>Third level</a:t>
             </a:r>
           </a:p>
           <a:p>
             <a:pPr lvl="3"/>
             <a:r>
-              <a:rPr lang="ru-RU" smtClean="0"/>
-              <a:t>Четвертый уровень</a:t>
+              <a:rPr lang="en-US" smtClean="0"/>
+              <a:t>Fourth level</a:t>
             </a:r>
           </a:p>
           <a:p>
             <a:pPr lvl="4"/>
             <a:r>
-              <a:rPr lang="ru-RU" smtClean="0"/>
-              <a:t>Пятый уровень</a:t>
-            </a:r>
-            <a:endParaRPr lang="ru-RU"/>
-          </a:p>
-        </p:txBody>
-      </p:sp>
-      <p:sp>
-        <p:nvSpPr>
-          <p:cNvPr id="4" name="Дата 3"/>
+              <a:rPr lang="en-US" smtClean="0"/>
+              <a:t>Fifth level</a:t>
+            </a:r>
+            <a:endParaRPr lang="en-US"/>
+          </a:p>
+        </p:txBody>
+      </p:sp>
+      <p:sp>
+        <p:nvSpPr>
+          <p:cNvPr id="4" name="Date Placeholder 3"/>
           <p:cNvSpPr>
             <a:spLocks noGrp="1"/>
           </p:cNvSpPr>
@@ -1102,16 +1102,16 @@
           <a:lstStyle/>
           <a:p>
             <a:fld id="{A69D51E0-3758-456B-809F-07B187805C7D}" type="datetimeFigureOut">
-              <a:rPr lang="ru-RU" smtClean="0"/>
+              <a:rPr lang="en-US" smtClean="0"/>
               <a:t>22.10.2013</a:t>
             </a:fld>
-            <a:endParaRPr lang="ru-RU"/>
-          </a:p>
-        </p:txBody>
-      </p:sp>
-      <p:sp>
-        <p:nvSpPr>
-          <p:cNvPr id="5" name="Нижний колонтитул 4"/>
+            <a:endParaRPr lang="en-US"/>
+          </a:p>
+        </p:txBody>
+      </p:sp>
+      <p:sp>
+        <p:nvSpPr>
+          <p:cNvPr id="5" name="Footer Placeholder 4"/>
           <p:cNvSpPr>
             <a:spLocks noGrp="1"/>
           </p:cNvSpPr>
@@ -1124,13 +1124,13 @@
           <a:bodyPr/>
           <a:lstStyle/>
           <a:p>
-            <a:endParaRPr lang="ru-RU"/>
-          </a:p>
-        </p:txBody>
-      </p:sp>
-      <p:sp>
-        <p:nvSpPr>
-          <p:cNvPr id="6" name="Номер слайда 5"/>
+            <a:endParaRPr lang="en-US"/>
+          </a:p>
+        </p:txBody>
+      </p:sp>
+      <p:sp>
+        <p:nvSpPr>
+          <p:cNvPr id="6" name="Slide Number Placeholder 5"/>
           <p:cNvSpPr>
             <a:spLocks noGrp="1"/>
           </p:cNvSpPr>
@@ -1144,10 +1144,10 @@
           <a:lstStyle/>
           <a:p>
             <a:fld id="{4D3B38E7-149F-4D77-9EEF-9309C2CB69A9}" type="slidenum">
-              <a:rPr lang="ru-RU" smtClean="0"/>
+              <a:rPr lang="en-US" smtClean="0"/>
               <a:t>‹#›</a:t>
             </a:fld>
-            <a:endParaRPr lang="ru-RU"/>
+            <a:endParaRPr lang="en-US"/>
           </a:p>
         </p:txBody>
       </p:sp>
@@ -1183,7 +1183,7 @@
       </p:grpSpPr>
       <p:sp>
         <p:nvSpPr>
-          <p:cNvPr id="2" name="Заголовок 1"/>
+          <p:cNvPr id="2" name="Title 1"/>
           <p:cNvSpPr>
             <a:spLocks noGrp="1"/>
           </p:cNvSpPr>
@@ -1197,16 +1197,16 @@
           <a:lstStyle/>
           <a:p>
             <a:r>
-              <a:rPr lang="ru-RU" dirty="0" smtClean="0"/>
-              <a:t>Образец заголовка</a:t>
-            </a:r>
-            <a:endParaRPr lang="ru-RU" dirty="0"/>
-          </a:p>
-        </p:txBody>
-      </p:sp>
-      <p:sp>
-        <p:nvSpPr>
-          <p:cNvPr id="3" name="Объект 2"/>
+              <a:rPr lang="en-US" dirty="0" smtClean="0"/>
+              <a:t>Click to edit Master title style</a:t>
+            </a:r>
+            <a:endParaRPr lang="en-US" dirty="0"/>
+          </a:p>
+        </p:txBody>
+      </p:sp>
+      <p:sp>
+        <p:nvSpPr>
+          <p:cNvPr id="3" name="Content Placeholder 2"/>
           <p:cNvSpPr>
             <a:spLocks noGrp="1"/>
           </p:cNvSpPr>
@@ -1221,44 +1221,44 @@
           <a:p>
             <a:pPr lvl="0"/>
             <a:r>
-              <a:rPr lang="ru-RU" smtClean="0"/>
-              <a:t>Образец текста</a:t>
+              <a:rPr lang="en-US" smtClean="0"/>
+              <a:t>Click to edit Master text styles</a:t>
             </a:r>
           </a:p>
           <a:p>
             <a:pPr lvl="1"/>
             <a:r>
-              <a:rPr lang="ru-RU" smtClean="0"/>
-              <a:t>Второй уровень</a:t>
+              <a:rPr lang="en-US" smtClean="0"/>
+              <a:t>Second level</a:t>
             </a:r>
           </a:p>
           <a:p>
             <a:pPr lvl="2"/>
             <a:r>
-              <a:rPr lang="ru-RU" smtClean="0"/>
-              <a:t>Третий уровень</a:t>
+              <a:rPr lang="en-US" smtClean="0"/>
+              <a:t>Third level</a:t>
             </a:r>
           </a:p>
           <a:p>
             <a:pPr lvl="3"/>
             <a:r>
-              <a:rPr lang="ru-RU" smtClean="0"/>
-              <a:t>Четвертый уровень</a:t>
+              <a:rPr lang="en-US" smtClean="0"/>
+              <a:t>Fourth level</a:t>
             </a:r>
           </a:p>
           <a:p>
             <a:pPr lvl="4"/>
             <a:r>
-              <a:rPr lang="ru-RU" smtClean="0"/>
-              <a:t>Пятый уровень</a:t>
-            </a:r>
-            <a:endParaRPr lang="ru-RU"/>
-          </a:p>
-        </p:txBody>
-      </p:sp>
-      <p:sp>
-        <p:nvSpPr>
-          <p:cNvPr id="4" name="Дата 3"/>
+              <a:rPr lang="en-US" smtClean="0"/>
+              <a:t>Fifth level</a:t>
+            </a:r>
+            <a:endParaRPr lang="en-US"/>
+          </a:p>
+        </p:txBody>
+      </p:sp>
+      <p:sp>
+        <p:nvSpPr>
+          <p:cNvPr id="4" name="Date Placeholder 3"/>
           <p:cNvSpPr>
             <a:spLocks noGrp="1"/>
           </p:cNvSpPr>
@@ -1272,16 +1272,16 @@
           <a:lstStyle/>
           <a:p>
             <a:fld id="{A69D51E0-3758-456B-809F-07B187805C7D}" type="datetimeFigureOut">
-              <a:rPr lang="ru-RU" smtClean="0"/>
+              <a:rPr lang="en-US" smtClean="0"/>
               <a:t>22.10.2013</a:t>
             </a:fld>
-            <a:endParaRPr lang="ru-RU"/>
-          </a:p>
-        </p:txBody>
-      </p:sp>
-      <p:sp>
-        <p:nvSpPr>
-          <p:cNvPr id="5" name="Нижний колонтитул 4"/>
+            <a:endParaRPr lang="en-US"/>
+          </a:p>
+        </p:txBody>
+      </p:sp>
+      <p:sp>
+        <p:nvSpPr>
+          <p:cNvPr id="5" name="Footer Placeholder 4"/>
           <p:cNvSpPr>
             <a:spLocks noGrp="1"/>
           </p:cNvSpPr>
@@ -1294,13 +1294,13 @@
           <a:bodyPr/>
           <a:lstStyle/>
           <a:p>
-            <a:endParaRPr lang="ru-RU"/>
-          </a:p>
-        </p:txBody>
-      </p:sp>
-      <p:sp>
-        <p:nvSpPr>
-          <p:cNvPr id="6" name="Номер слайда 5"/>
+            <a:endParaRPr lang="en-US"/>
+          </a:p>
+        </p:txBody>
+      </p:sp>
+      <p:sp>
+        <p:nvSpPr>
+          <p:cNvPr id="6" name="Slide Number Placeholder 5"/>
           <p:cNvSpPr>
             <a:spLocks noGrp="1"/>
           </p:cNvSpPr>
@@ -1314,10 +1314,10 @@
           <a:lstStyle/>
           <a:p>
             <a:fld id="{4D3B38E7-149F-4D77-9EEF-9309C2CB69A9}" type="slidenum">
-              <a:rPr lang="ru-RU" smtClean="0"/>
+              <a:rPr lang="en-US" smtClean="0"/>
               <a:t>‹#›</a:t>
             </a:fld>
-            <a:endParaRPr lang="ru-RU"/>
+            <a:endParaRPr lang="en-US"/>
           </a:p>
         </p:txBody>
       </p:sp>
@@ -1353,7 +1353,7 @@
       </p:grpSpPr>
       <p:sp>
         <p:nvSpPr>
-          <p:cNvPr id="2" name="Заголовок 1"/>
+          <p:cNvPr id="2" name="Title 1"/>
           <p:cNvSpPr>
             <a:spLocks noGrp="1"/>
           </p:cNvSpPr>
@@ -1376,16 +1376,16 @@
           </a:lstStyle>
           <a:p>
             <a:r>
-              <a:rPr lang="ru-RU" smtClean="0"/>
-              <a:t>Образец заголовка</a:t>
-            </a:r>
-            <a:endParaRPr lang="ru-RU"/>
-          </a:p>
-        </p:txBody>
-      </p:sp>
-      <p:sp>
-        <p:nvSpPr>
-          <p:cNvPr id="3" name="Текст 2"/>
+              <a:rPr lang="en-US" smtClean="0"/>
+              <a:t>Click to edit Master title style</a:t>
+            </a:r>
+            <a:endParaRPr lang="en-US"/>
+          </a:p>
+        </p:txBody>
+      </p:sp>
+      <p:sp>
+        <p:nvSpPr>
+          <p:cNvPr id="3" name="Text Placeholder 2"/>
           <p:cNvSpPr>
             <a:spLocks noGrp="1"/>
           </p:cNvSpPr>
@@ -1496,15 +1496,15 @@
           <a:p>
             <a:pPr lvl="0"/>
             <a:r>
-              <a:rPr lang="ru-RU" smtClean="0"/>
-              <a:t>Образец текста</a:t>
-            </a:r>
-          </a:p>
-        </p:txBody>
-      </p:sp>
-      <p:sp>
-        <p:nvSpPr>
-          <p:cNvPr id="4" name="Дата 3"/>
+              <a:rPr lang="en-US" smtClean="0"/>
+              <a:t>Click to edit Master text styles</a:t>
+            </a:r>
+          </a:p>
+        </p:txBody>
+      </p:sp>
+      <p:sp>
+        <p:nvSpPr>
+          <p:cNvPr id="4" name="Date Placeholder 3"/>
           <p:cNvSpPr>
             <a:spLocks noGrp="1"/>
           </p:cNvSpPr>
@@ -1518,16 +1518,16 @@
           <a:lstStyle/>
           <a:p>
             <a:fld id="{A69D51E0-3758-456B-809F-07B187805C7D}" type="datetimeFigureOut">
-              <a:rPr lang="ru-RU" smtClean="0"/>
+              <a:rPr lang="en-US" smtClean="0"/>
               <a:t>22.10.2013</a:t>
             </a:fld>
-            <a:endParaRPr lang="ru-RU"/>
-          </a:p>
-        </p:txBody>
-      </p:sp>
-      <p:sp>
-        <p:nvSpPr>
-          <p:cNvPr id="5" name="Нижний колонтитул 4"/>
+            <a:endParaRPr lang="en-US"/>
+          </a:p>
+        </p:txBody>
+      </p:sp>
+      <p:sp>
+        <p:nvSpPr>
+          <p:cNvPr id="5" name="Footer Placeholder 4"/>
           <p:cNvSpPr>
             <a:spLocks noGrp="1"/>
           </p:cNvSpPr>
@@ -1540,13 +1540,13 @@
           <a:bodyPr/>
           <a:lstStyle/>
           <a:p>
-            <a:endParaRPr lang="ru-RU"/>
-          </a:p>
-        </p:txBody>
-      </p:sp>
-      <p:sp>
-        <p:nvSpPr>
-          <p:cNvPr id="6" name="Номер слайда 5"/>
+            <a:endParaRPr lang="en-US"/>
+          </a:p>
+        </p:txBody>
+      </p:sp>
+      <p:sp>
+        <p:nvSpPr>
+          <p:cNvPr id="6" name="Slide Number Placeholder 5"/>
           <p:cNvSpPr>
             <a:spLocks noGrp="1"/>
           </p:cNvSpPr>
@@ -1560,10 +1560,10 @@
           <a:lstStyle/>
           <a:p>
             <a:fld id="{4D3B38E7-149F-4D77-9EEF-9309C2CB69A9}" type="slidenum">
-              <a:rPr lang="ru-RU" smtClean="0"/>
+              <a:rPr lang="en-US" smtClean="0"/>
               <a:t>‹#›</a:t>
             </a:fld>
-            <a:endParaRPr lang="ru-RU"/>
+            <a:endParaRPr lang="en-US"/>
           </a:p>
         </p:txBody>
       </p:sp>
@@ -1599,7 +1599,7 @@
       </p:grpSpPr>
       <p:sp>
         <p:nvSpPr>
-          <p:cNvPr id="2" name="Заголовок 1"/>
+          <p:cNvPr id="2" name="Title 1"/>
           <p:cNvSpPr>
             <a:spLocks noGrp="1"/>
           </p:cNvSpPr>
@@ -1613,16 +1613,16 @@
           <a:lstStyle/>
           <a:p>
             <a:r>
-              <a:rPr lang="ru-RU" smtClean="0"/>
-              <a:t>Образец заголовка</a:t>
-            </a:r>
-            <a:endParaRPr lang="ru-RU"/>
-          </a:p>
-        </p:txBody>
-      </p:sp>
-      <p:sp>
-        <p:nvSpPr>
-          <p:cNvPr id="3" name="Объект 2"/>
+              <a:rPr lang="en-US" smtClean="0"/>
+              <a:t>Click to edit Master title style</a:t>
+            </a:r>
+            <a:endParaRPr lang="en-US"/>
+          </a:p>
+        </p:txBody>
+      </p:sp>
+      <p:sp>
+        <p:nvSpPr>
+          <p:cNvPr id="3" name="Content Placeholder 2"/>
           <p:cNvSpPr>
             <a:spLocks noGrp="1"/>
           </p:cNvSpPr>
@@ -1670,44 +1670,44 @@
           <a:p>
             <a:pPr lvl="0"/>
             <a:r>
-              <a:rPr lang="ru-RU" smtClean="0"/>
-              <a:t>Образец текста</a:t>
+              <a:rPr lang="en-US" smtClean="0"/>
+              <a:t>Click to edit Master text styles</a:t>
             </a:r>
           </a:p>
           <a:p>
             <a:pPr lvl="1"/>
             <a:r>
-              <a:rPr lang="ru-RU" smtClean="0"/>
-              <a:t>Второй уровень</a:t>
+              <a:rPr lang="en-US" smtClean="0"/>
+              <a:t>Second level</a:t>
             </a:r>
           </a:p>
           <a:p>
             <a:pPr lvl="2"/>
             <a:r>
-              <a:rPr lang="ru-RU" smtClean="0"/>
-              <a:t>Третий уровень</a:t>
+              <a:rPr lang="en-US" smtClean="0"/>
+              <a:t>Third level</a:t>
             </a:r>
           </a:p>
           <a:p>
             <a:pPr lvl="3"/>
             <a:r>
-              <a:rPr lang="ru-RU" smtClean="0"/>
-              <a:t>Четвертый уровень</a:t>
+              <a:rPr lang="en-US" smtClean="0"/>
+              <a:t>Fourth level</a:t>
             </a:r>
           </a:p>
           <a:p>
             <a:pPr lvl="4"/>
             <a:r>
-              <a:rPr lang="ru-RU" smtClean="0"/>
-              <a:t>Пятый уровень</a:t>
-            </a:r>
-            <a:endParaRPr lang="ru-RU"/>
-          </a:p>
-        </p:txBody>
-      </p:sp>
-      <p:sp>
-        <p:nvSpPr>
-          <p:cNvPr id="4" name="Объект 3"/>
+              <a:rPr lang="en-US" smtClean="0"/>
+              <a:t>Fifth level</a:t>
+            </a:r>
+            <a:endParaRPr lang="en-US"/>
+          </a:p>
+        </p:txBody>
+      </p:sp>
+      <p:sp>
+        <p:nvSpPr>
+          <p:cNvPr id="4" name="Content Placeholder 3"/>
           <p:cNvSpPr>
             <a:spLocks noGrp="1"/>
           </p:cNvSpPr>
@@ -1755,44 +1755,44 @@
           <a:p>
             <a:pPr lvl="0"/>
             <a:r>
-              <a:rPr lang="ru-RU" smtClean="0"/>
-              <a:t>Образец текста</a:t>
+              <a:rPr lang="en-US" smtClean="0"/>
+              <a:t>Click to edit Master text styles</a:t>
             </a:r>
           </a:p>
           <a:p>
             <a:pPr lvl="1"/>
             <a:r>
-              <a:rPr lang="ru-RU" smtClean="0"/>
-              <a:t>Второй уровень</a:t>
+              <a:rPr lang="en-US" smtClean="0"/>
+              <a:t>Second level</a:t>
             </a:r>
           </a:p>
           <a:p>
             <a:pPr lvl="2"/>
             <a:r>
-              <a:rPr lang="ru-RU" smtClean="0"/>
-              <a:t>Третий уровень</a:t>
+              <a:rPr lang="en-US" smtClean="0"/>
+              <a:t>Third level</a:t>
             </a:r>
           </a:p>
           <a:p>
             <a:pPr lvl="3"/>
             <a:r>
-              <a:rPr lang="ru-RU" smtClean="0"/>
-              <a:t>Четвертый уровень</a:t>
+              <a:rPr lang="en-US" smtClean="0"/>
+              <a:t>Fourth level</a:t>
             </a:r>
           </a:p>
           <a:p>
             <a:pPr lvl="4"/>
             <a:r>
-              <a:rPr lang="ru-RU" smtClean="0"/>
-              <a:t>Пятый уровень</a:t>
-            </a:r>
-            <a:endParaRPr lang="ru-RU"/>
-          </a:p>
-        </p:txBody>
-      </p:sp>
-      <p:sp>
-        <p:nvSpPr>
-          <p:cNvPr id="5" name="Дата 4"/>
+              <a:rPr lang="en-US" smtClean="0"/>
+              <a:t>Fifth level</a:t>
+            </a:r>
+            <a:endParaRPr lang="en-US"/>
+          </a:p>
+        </p:txBody>
+      </p:sp>
+      <p:sp>
+        <p:nvSpPr>
+          <p:cNvPr id="5" name="Date Placeholder 4"/>
           <p:cNvSpPr>
             <a:spLocks noGrp="1"/>
           </p:cNvSpPr>
@@ -1806,16 +1806,16 @@
           <a:lstStyle/>
           <a:p>
             <a:fld id="{A69D51E0-3758-456B-809F-07B187805C7D}" type="datetimeFigureOut">
-              <a:rPr lang="ru-RU" smtClean="0"/>
+              <a:rPr lang="en-US" smtClean="0"/>
               <a:t>22.10.2013</a:t>
             </a:fld>
-            <a:endParaRPr lang="ru-RU"/>
-          </a:p>
-        </p:txBody>
-      </p:sp>
-      <p:sp>
-        <p:nvSpPr>
-          <p:cNvPr id="6" name="Нижний колонтитул 5"/>
+            <a:endParaRPr lang="en-US"/>
+          </a:p>
+        </p:txBody>
+      </p:sp>
+      <p:sp>
+        <p:nvSpPr>
+          <p:cNvPr id="6" name="Footer Placeholder 5"/>
           <p:cNvSpPr>
             <a:spLocks noGrp="1"/>
           </p:cNvSpPr>
@@ -1828,13 +1828,13 @@
           <a:bodyPr/>
           <a:lstStyle/>
           <a:p>
-            <a:endParaRPr lang="ru-RU"/>
-          </a:p>
-        </p:txBody>
-      </p:sp>
-      <p:sp>
-        <p:nvSpPr>
-          <p:cNvPr id="7" name="Номер слайда 6"/>
+            <a:endParaRPr lang="en-US"/>
+          </a:p>
+        </p:txBody>
+      </p:sp>
+      <p:sp>
+        <p:nvSpPr>
+          <p:cNvPr id="7" name="Slide Number Placeholder 6"/>
           <p:cNvSpPr>
             <a:spLocks noGrp="1"/>
           </p:cNvSpPr>
@@ -1848,10 +1848,10 @@
           <a:lstStyle/>
           <a:p>
             <a:fld id="{4D3B38E7-149F-4D77-9EEF-9309C2CB69A9}" type="slidenum">
-              <a:rPr lang="ru-RU" smtClean="0"/>
+              <a:rPr lang="en-US" smtClean="0"/>
               <a:t>‹#›</a:t>
             </a:fld>
-            <a:endParaRPr lang="ru-RU"/>
+            <a:endParaRPr lang="en-US"/>
           </a:p>
         </p:txBody>
       </p:sp>
@@ -1887,7 +1887,7 @@
       </p:grpSpPr>
       <p:sp>
         <p:nvSpPr>
-          <p:cNvPr id="2" name="Заголовок 1"/>
+          <p:cNvPr id="2" name="Title 1"/>
           <p:cNvSpPr>
             <a:spLocks noGrp="1"/>
           </p:cNvSpPr>
@@ -1905,16 +1905,16 @@
           </a:lstStyle>
           <a:p>
             <a:r>
-              <a:rPr lang="ru-RU" smtClean="0"/>
-              <a:t>Образец заголовка</a:t>
-            </a:r>
-            <a:endParaRPr lang="ru-RU"/>
-          </a:p>
-        </p:txBody>
-      </p:sp>
-      <p:sp>
-        <p:nvSpPr>
-          <p:cNvPr id="3" name="Текст 2"/>
+              <a:rPr lang="en-US" smtClean="0"/>
+              <a:t>Click to edit Master title style</a:t>
+            </a:r>
+            <a:endParaRPr lang="en-US"/>
+          </a:p>
+        </p:txBody>
+      </p:sp>
+      <p:sp>
+        <p:nvSpPr>
+          <p:cNvPr id="3" name="Text Placeholder 2"/>
           <p:cNvSpPr>
             <a:spLocks noGrp="1"/>
           </p:cNvSpPr>
@@ -1971,15 +1971,15 @@
           <a:p>
             <a:pPr lvl="0"/>
             <a:r>
-              <a:rPr lang="ru-RU" smtClean="0"/>
-              <a:t>Образец текста</a:t>
-            </a:r>
-          </a:p>
-        </p:txBody>
-      </p:sp>
-      <p:sp>
-        <p:nvSpPr>
-          <p:cNvPr id="4" name="Объект 3"/>
+              <a:rPr lang="en-US" smtClean="0"/>
+              <a:t>Click to edit Master text styles</a:t>
+            </a:r>
+          </a:p>
+        </p:txBody>
+      </p:sp>
+      <p:sp>
+        <p:nvSpPr>
+          <p:cNvPr id="4" name="Content Placeholder 3"/>
           <p:cNvSpPr>
             <a:spLocks noGrp="1"/>
           </p:cNvSpPr>
@@ -2027,44 +2027,44 @@
           <a:p>
             <a:pPr lvl="0"/>
             <a:r>
-              <a:rPr lang="ru-RU" smtClean="0"/>
-              <a:t>Образец текста</a:t>
+              <a:rPr lang="en-US" smtClean="0"/>
+              <a:t>Click to edit Master text styles</a:t>
             </a:r>
           </a:p>
           <a:p>
             <a:pPr lvl="1"/>
             <a:r>
-              <a:rPr lang="ru-RU" smtClean="0"/>
-              <a:t>Второй уровень</a:t>
+              <a:rPr lang="en-US" smtClean="0"/>
+              <a:t>Second level</a:t>
             </a:r>
           </a:p>
           <a:p>
             <a:pPr lvl="2"/>
             <a:r>
-              <a:rPr lang="ru-RU" smtClean="0"/>
-              <a:t>Третий уровень</a:t>
+              <a:rPr lang="en-US" smtClean="0"/>
+              <a:t>Third level</a:t>
             </a:r>
           </a:p>
           <a:p>
             <a:pPr lvl="3"/>
             <a:r>
-              <a:rPr lang="ru-RU" smtClean="0"/>
-              <a:t>Четвертый уровень</a:t>
+              <a:rPr lang="en-US" smtClean="0"/>
+              <a:t>Fourth level</a:t>
             </a:r>
           </a:p>
           <a:p>
             <a:pPr lvl="4"/>
             <a:r>
-              <a:rPr lang="ru-RU" smtClean="0"/>
-              <a:t>Пятый уровень</a:t>
-            </a:r>
-            <a:endParaRPr lang="ru-RU"/>
-          </a:p>
-        </p:txBody>
-      </p:sp>
-      <p:sp>
-        <p:nvSpPr>
-          <p:cNvPr id="5" name="Текст 4"/>
+              <a:rPr lang="en-US" smtClean="0"/>
+              <a:t>Fifth level</a:t>
+            </a:r>
+            <a:endParaRPr lang="en-US"/>
+          </a:p>
+        </p:txBody>
+      </p:sp>
+      <p:sp>
+        <p:nvSpPr>
+          <p:cNvPr id="5" name="Text Placeholder 4"/>
           <p:cNvSpPr>
             <a:spLocks noGrp="1"/>
           </p:cNvSpPr>
@@ -2121,15 +2121,15 @@
           <a:p>
             <a:pPr lvl="0"/>
             <a:r>
-              <a:rPr lang="ru-RU" smtClean="0"/>
-              <a:t>Образец текста</a:t>
-            </a:r>
-          </a:p>
-        </p:txBody>
-      </p:sp>
-      <p:sp>
-        <p:nvSpPr>
-          <p:cNvPr id="6" name="Объект 5"/>
+              <a:rPr lang="en-US" smtClean="0"/>
+              <a:t>Click to edit Master text styles</a:t>
+            </a:r>
+          </a:p>
+        </p:txBody>
+      </p:sp>
+      <p:sp>
+        <p:nvSpPr>
+          <p:cNvPr id="6" name="Content Placeholder 5"/>
           <p:cNvSpPr>
             <a:spLocks noGrp="1"/>
           </p:cNvSpPr>
@@ -2177,44 +2177,44 @@
           <a:p>
             <a:pPr lvl="0"/>
             <a:r>
-              <a:rPr lang="ru-RU" smtClean="0"/>
-              <a:t>Образец текста</a:t>
+              <a:rPr lang="en-US" smtClean="0"/>
+              <a:t>Click to edit Master text styles</a:t>
             </a:r>
           </a:p>
           <a:p>
             <a:pPr lvl="1"/>
             <a:r>
-              <a:rPr lang="ru-RU" smtClean="0"/>
-              <a:t>Второй уровень</a:t>
+              <a:rPr lang="en-US" smtClean="0"/>
+              <a:t>Second level</a:t>
             </a:r>
           </a:p>
           <a:p>
             <a:pPr lvl="2"/>
             <a:r>
-              <a:rPr lang="ru-RU" smtClean="0"/>
-              <a:t>Третий уровень</a:t>
+              <a:rPr lang="en-US" smtClean="0"/>
+              <a:t>Third level</a:t>
             </a:r>
           </a:p>
           <a:p>
             <a:pPr lvl="3"/>
             <a:r>
-              <a:rPr lang="ru-RU" smtClean="0"/>
-              <a:t>Четвертый уровень</a:t>
+              <a:rPr lang="en-US" smtClean="0"/>
+              <a:t>Fourth level</a:t>
             </a:r>
           </a:p>
           <a:p>
             <a:pPr lvl="4"/>
             <a:r>
-              <a:rPr lang="ru-RU" smtClean="0"/>
-              <a:t>Пятый уровень</a:t>
-            </a:r>
-            <a:endParaRPr lang="ru-RU"/>
-          </a:p>
-        </p:txBody>
-      </p:sp>
-      <p:sp>
-        <p:nvSpPr>
-          <p:cNvPr id="7" name="Дата 6"/>
+              <a:rPr lang="en-US" smtClean="0"/>
+              <a:t>Fifth level</a:t>
+            </a:r>
+            <a:endParaRPr lang="en-US"/>
+          </a:p>
+        </p:txBody>
+      </p:sp>
+      <p:sp>
+        <p:nvSpPr>
+          <p:cNvPr id="7" name="Date Placeholder 6"/>
           <p:cNvSpPr>
             <a:spLocks noGrp="1"/>
           </p:cNvSpPr>
@@ -2228,16 +2228,16 @@
           <a:lstStyle/>
           <a:p>
             <a:fld id="{A69D51E0-3758-456B-809F-07B187805C7D}" type="datetimeFigureOut">
-              <a:rPr lang="ru-RU" smtClean="0"/>
+              <a:rPr lang="en-US" smtClean="0"/>
               <a:t>22.10.2013</a:t>
             </a:fld>
-            <a:endParaRPr lang="ru-RU"/>
-          </a:p>
-        </p:txBody>
-      </p:sp>
-      <p:sp>
-        <p:nvSpPr>
-          <p:cNvPr id="8" name="Нижний колонтитул 7"/>
+            <a:endParaRPr lang="en-US"/>
+          </a:p>
+        </p:txBody>
+      </p:sp>
+      <p:sp>
+        <p:nvSpPr>
+          <p:cNvPr id="8" name="Footer Placeholder 7"/>
           <p:cNvSpPr>
             <a:spLocks noGrp="1"/>
           </p:cNvSpPr>
@@ -2250,13 +2250,13 @@
           <a:bodyPr/>
           <a:lstStyle/>
           <a:p>
-            <a:endParaRPr lang="ru-RU"/>
-          </a:p>
-        </p:txBody>
-      </p:sp>
-      <p:sp>
-        <p:nvSpPr>
-          <p:cNvPr id="9" name="Номер слайда 8"/>
+            <a:endParaRPr lang="en-US"/>
+          </a:p>
+        </p:txBody>
+      </p:sp>
+      <p:sp>
+        <p:nvSpPr>
+          <p:cNvPr id="9" name="Slide Number Placeholder 8"/>
           <p:cNvSpPr>
             <a:spLocks noGrp="1"/>
           </p:cNvSpPr>
@@ -2270,10 +2270,10 @@
           <a:lstStyle/>
           <a:p>
             <a:fld id="{4D3B38E7-149F-4D77-9EEF-9309C2CB69A9}" type="slidenum">
-              <a:rPr lang="ru-RU" smtClean="0"/>
+              <a:rPr lang="en-US" smtClean="0"/>
               <a:t>‹#›</a:t>
             </a:fld>
-            <a:endParaRPr lang="ru-RU"/>
+            <a:endParaRPr lang="en-US"/>
           </a:p>
         </p:txBody>
       </p:sp>
@@ -2309,7 +2309,7 @@
       </p:grpSpPr>
       <p:sp>
         <p:nvSpPr>
-          <p:cNvPr id="2" name="Заголовок 1"/>
+          <p:cNvPr id="2" name="Title 1"/>
           <p:cNvSpPr>
             <a:spLocks noGrp="1"/>
           </p:cNvSpPr>
@@ -2323,16 +2323,16 @@
           <a:lstStyle/>
           <a:p>
             <a:r>
-              <a:rPr lang="ru-RU" smtClean="0"/>
-              <a:t>Образец заголовка</a:t>
-            </a:r>
-            <a:endParaRPr lang="ru-RU"/>
-          </a:p>
-        </p:txBody>
-      </p:sp>
-      <p:sp>
-        <p:nvSpPr>
-          <p:cNvPr id="3" name="Дата 2"/>
+              <a:rPr lang="en-US" smtClean="0"/>
+              <a:t>Click to edit Master title style</a:t>
+            </a:r>
+            <a:endParaRPr lang="en-US"/>
+          </a:p>
+        </p:txBody>
+      </p:sp>
+      <p:sp>
+        <p:nvSpPr>
+          <p:cNvPr id="3" name="Date Placeholder 2"/>
           <p:cNvSpPr>
             <a:spLocks noGrp="1"/>
           </p:cNvSpPr>
@@ -2346,16 +2346,16 @@
           <a:lstStyle/>
           <a:p>
             <a:fld id="{A69D51E0-3758-456B-809F-07B187805C7D}" type="datetimeFigureOut">
-              <a:rPr lang="ru-RU" smtClean="0"/>
+              <a:rPr lang="en-US" smtClean="0"/>
               <a:t>22.10.2013</a:t>
             </a:fld>
-            <a:endParaRPr lang="ru-RU"/>
-          </a:p>
-        </p:txBody>
-      </p:sp>
-      <p:sp>
-        <p:nvSpPr>
-          <p:cNvPr id="4" name="Нижний колонтитул 3"/>
+            <a:endParaRPr lang="en-US"/>
+          </a:p>
+        </p:txBody>
+      </p:sp>
+      <p:sp>
+        <p:nvSpPr>
+          <p:cNvPr id="4" name="Footer Placeholder 3"/>
           <p:cNvSpPr>
             <a:spLocks noGrp="1"/>
           </p:cNvSpPr>
@@ -2368,13 +2368,13 @@
           <a:bodyPr/>
           <a:lstStyle/>
           <a:p>
-            <a:endParaRPr lang="ru-RU"/>
-          </a:p>
-        </p:txBody>
-      </p:sp>
-      <p:sp>
-        <p:nvSpPr>
-          <p:cNvPr id="5" name="Номер слайда 4"/>
+            <a:endParaRPr lang="en-US"/>
+          </a:p>
+        </p:txBody>
+      </p:sp>
+      <p:sp>
+        <p:nvSpPr>
+          <p:cNvPr id="5" name="Slide Number Placeholder 4"/>
           <p:cNvSpPr>
             <a:spLocks noGrp="1"/>
           </p:cNvSpPr>
@@ -2388,10 +2388,10 @@
           <a:lstStyle/>
           <a:p>
             <a:fld id="{4D3B38E7-149F-4D77-9EEF-9309C2CB69A9}" type="slidenum">
-              <a:rPr lang="ru-RU" smtClean="0"/>
+              <a:rPr lang="en-US" smtClean="0"/>
               <a:t>‹#›</a:t>
             </a:fld>
-            <a:endParaRPr lang="ru-RU"/>
+            <a:endParaRPr lang="en-US"/>
           </a:p>
         </p:txBody>
       </p:sp>
@@ -2427,7 +2427,7 @@
       </p:grpSpPr>
       <p:sp>
         <p:nvSpPr>
-          <p:cNvPr id="2" name="Дата 1"/>
+          <p:cNvPr id="2" name="Date Placeholder 1"/>
           <p:cNvSpPr>
             <a:spLocks noGrp="1"/>
           </p:cNvSpPr>
@@ -2441,16 +2441,16 @@
           <a:lstStyle/>
           <a:p>
             <a:fld id="{A69D51E0-3758-456B-809F-07B187805C7D}" type="datetimeFigureOut">
-              <a:rPr lang="ru-RU" smtClean="0"/>
+              <a:rPr lang="en-US" smtClean="0"/>
               <a:t>22.10.2013</a:t>
             </a:fld>
-            <a:endParaRPr lang="ru-RU"/>
-          </a:p>
-        </p:txBody>
-      </p:sp>
-      <p:sp>
-        <p:nvSpPr>
-          <p:cNvPr id="3" name="Нижний колонтитул 2"/>
+            <a:endParaRPr lang="en-US"/>
+          </a:p>
+        </p:txBody>
+      </p:sp>
+      <p:sp>
+        <p:nvSpPr>
+          <p:cNvPr id="3" name="Footer Placeholder 2"/>
           <p:cNvSpPr>
             <a:spLocks noGrp="1"/>
           </p:cNvSpPr>
@@ -2463,13 +2463,13 @@
           <a:bodyPr/>
           <a:lstStyle/>
           <a:p>
-            <a:endParaRPr lang="ru-RU"/>
-          </a:p>
-        </p:txBody>
-      </p:sp>
-      <p:sp>
-        <p:nvSpPr>
-          <p:cNvPr id="4" name="Номер слайда 3"/>
+            <a:endParaRPr lang="en-US"/>
+          </a:p>
+        </p:txBody>
+      </p:sp>
+      <p:sp>
+        <p:nvSpPr>
+          <p:cNvPr id="4" name="Slide Number Placeholder 3"/>
           <p:cNvSpPr>
             <a:spLocks noGrp="1"/>
           </p:cNvSpPr>
@@ -2483,10 +2483,10 @@
           <a:lstStyle/>
           <a:p>
             <a:fld id="{4D3B38E7-149F-4D77-9EEF-9309C2CB69A9}" type="slidenum">
-              <a:rPr lang="ru-RU" smtClean="0"/>
+              <a:rPr lang="en-US" smtClean="0"/>
               <a:t>‹#›</a:t>
             </a:fld>
-            <a:endParaRPr lang="ru-RU"/>
+            <a:endParaRPr lang="en-US"/>
           </a:p>
         </p:txBody>
       </p:sp>
@@ -2522,7 +2522,7 @@
       </p:grpSpPr>
       <p:sp>
         <p:nvSpPr>
-          <p:cNvPr id="2" name="Заголовок 1"/>
+          <p:cNvPr id="2" name="Title 1"/>
           <p:cNvSpPr>
             <a:spLocks noGrp="1"/>
           </p:cNvSpPr>
@@ -2545,16 +2545,16 @@
           </a:lstStyle>
           <a:p>
             <a:r>
-              <a:rPr lang="ru-RU" smtClean="0"/>
-              <a:t>Образец заголовка</a:t>
-            </a:r>
-            <a:endParaRPr lang="ru-RU"/>
-          </a:p>
-        </p:txBody>
-      </p:sp>
-      <p:sp>
-        <p:nvSpPr>
-          <p:cNvPr id="3" name="Объект 2"/>
+              <a:rPr lang="en-US" smtClean="0"/>
+              <a:t>Click to edit Master title style</a:t>
+            </a:r>
+            <a:endParaRPr lang="en-US"/>
+          </a:p>
+        </p:txBody>
+      </p:sp>
+      <p:sp>
+        <p:nvSpPr>
+          <p:cNvPr id="3" name="Content Placeholder 2"/>
           <p:cNvSpPr>
             <a:spLocks noGrp="1"/>
           </p:cNvSpPr>
@@ -2602,44 +2602,44 @@
           <a:p>
             <a:pPr lvl="0"/>
             <a:r>
-              <a:rPr lang="ru-RU" smtClean="0"/>
-              <a:t>Образец текста</a:t>
+              <a:rPr lang="en-US" smtClean="0"/>
+              <a:t>Click to edit Master text styles</a:t>
             </a:r>
           </a:p>
           <a:p>
             <a:pPr lvl="1"/>
             <a:r>
-              <a:rPr lang="ru-RU" smtClean="0"/>
-              <a:t>Второй уровень</a:t>
+              <a:rPr lang="en-US" smtClean="0"/>
+              <a:t>Second level</a:t>
             </a:r>
           </a:p>
           <a:p>
             <a:pPr lvl="2"/>
             <a:r>
-              <a:rPr lang="ru-RU" smtClean="0"/>
-              <a:t>Третий уровень</a:t>
+              <a:rPr lang="en-US" smtClean="0"/>
+              <a:t>Third level</a:t>
             </a:r>
           </a:p>
           <a:p>
             <a:pPr lvl="3"/>
             <a:r>
-              <a:rPr lang="ru-RU" smtClean="0"/>
-              <a:t>Четвертый уровень</a:t>
+              <a:rPr lang="en-US" smtClean="0"/>
+              <a:t>Fourth level</a:t>
             </a:r>
           </a:p>
           <a:p>
             <a:pPr lvl="4"/>
             <a:r>
-              <a:rPr lang="ru-RU" smtClean="0"/>
-              <a:t>Пятый уровень</a:t>
-            </a:r>
-            <a:endParaRPr lang="ru-RU"/>
-          </a:p>
-        </p:txBody>
-      </p:sp>
-      <p:sp>
-        <p:nvSpPr>
-          <p:cNvPr id="4" name="Текст 3"/>
+              <a:rPr lang="en-US" smtClean="0"/>
+              <a:t>Fifth level</a:t>
+            </a:r>
+            <a:endParaRPr lang="en-US"/>
+          </a:p>
+        </p:txBody>
+      </p:sp>
+      <p:sp>
+        <p:nvSpPr>
+          <p:cNvPr id="4" name="Text Placeholder 3"/>
           <p:cNvSpPr>
             <a:spLocks noGrp="1"/>
           </p:cNvSpPr>
@@ -2696,15 +2696,15 @@
           <a:p>
             <a:pPr lvl="0"/>
             <a:r>
-              <a:rPr lang="ru-RU" smtClean="0"/>
-              <a:t>Образец текста</a:t>
-            </a:r>
-          </a:p>
-        </p:txBody>
-      </p:sp>
-      <p:sp>
-        <p:nvSpPr>
-          <p:cNvPr id="5" name="Дата 4"/>
+              <a:rPr lang="en-US" smtClean="0"/>
+              <a:t>Click to edit Master text styles</a:t>
+            </a:r>
+          </a:p>
+        </p:txBody>
+      </p:sp>
+      <p:sp>
+        <p:nvSpPr>
+          <p:cNvPr id="5" name="Date Placeholder 4"/>
           <p:cNvSpPr>
             <a:spLocks noGrp="1"/>
           </p:cNvSpPr>
@@ -2718,16 +2718,16 @@
           <a:lstStyle/>
           <a:p>
             <a:fld id="{A69D51E0-3758-456B-809F-07B187805C7D}" type="datetimeFigureOut">
-              <a:rPr lang="ru-RU" smtClean="0"/>
+              <a:rPr lang="en-US" smtClean="0"/>
               <a:t>22.10.2013</a:t>
             </a:fld>
-            <a:endParaRPr lang="ru-RU"/>
-          </a:p>
-        </p:txBody>
-      </p:sp>
-      <p:sp>
-        <p:nvSpPr>
-          <p:cNvPr id="6" name="Нижний колонтитул 5"/>
+            <a:endParaRPr lang="en-US"/>
+          </a:p>
+        </p:txBody>
+      </p:sp>
+      <p:sp>
+        <p:nvSpPr>
+          <p:cNvPr id="6" name="Footer Placeholder 5"/>
           <p:cNvSpPr>
             <a:spLocks noGrp="1"/>
           </p:cNvSpPr>
@@ -2740,13 +2740,13 @@
           <a:bodyPr/>
           <a:lstStyle/>
           <a:p>
-            <a:endParaRPr lang="ru-RU"/>
-          </a:p>
-        </p:txBody>
-      </p:sp>
-      <p:sp>
-        <p:nvSpPr>
-          <p:cNvPr id="7" name="Номер слайда 6"/>
+            <a:endParaRPr lang="en-US"/>
+          </a:p>
+        </p:txBody>
+      </p:sp>
+      <p:sp>
+        <p:nvSpPr>
+          <p:cNvPr id="7" name="Slide Number Placeholder 6"/>
           <p:cNvSpPr>
             <a:spLocks noGrp="1"/>
           </p:cNvSpPr>
@@ -2760,10 +2760,10 @@
           <a:lstStyle/>
           <a:p>
             <a:fld id="{4D3B38E7-149F-4D77-9EEF-9309C2CB69A9}" type="slidenum">
-              <a:rPr lang="ru-RU" smtClean="0"/>
+              <a:rPr lang="en-US" smtClean="0"/>
               <a:t>‹#›</a:t>
             </a:fld>
-            <a:endParaRPr lang="ru-RU"/>
+            <a:endParaRPr lang="en-US"/>
           </a:p>
         </p:txBody>
       </p:sp>
@@ -2799,7 +2799,7 @@
       </p:grpSpPr>
       <p:sp>
         <p:nvSpPr>
-          <p:cNvPr id="2" name="Заголовок 1"/>
+          <p:cNvPr id="2" name="Title 1"/>
           <p:cNvSpPr>
             <a:spLocks noGrp="1"/>
           </p:cNvSpPr>
@@ -2822,16 +2822,16 @@
           </a:lstStyle>
           <a:p>
             <a:r>
-              <a:rPr lang="ru-RU" smtClean="0"/>
-              <a:t>Образец заголовка</a:t>
-            </a:r>
-            <a:endParaRPr lang="ru-RU"/>
-          </a:p>
-        </p:txBody>
-      </p:sp>
-      <p:sp>
-        <p:nvSpPr>
-          <p:cNvPr id="3" name="Рисунок 2"/>
+              <a:rPr lang="en-US" smtClean="0"/>
+              <a:t>Click to edit Master title style</a:t>
+            </a:r>
+            <a:endParaRPr lang="en-US"/>
+          </a:p>
+        </p:txBody>
+      </p:sp>
+      <p:sp>
+        <p:nvSpPr>
+          <p:cNvPr id="3" name="Picture Placeholder 2"/>
           <p:cNvSpPr>
             <a:spLocks noGrp="1"/>
           </p:cNvSpPr>
@@ -2886,13 +2886,13 @@
             </a:lvl9pPr>
           </a:lstStyle>
           <a:p>
-            <a:endParaRPr lang="ru-RU"/>
-          </a:p>
-        </p:txBody>
-      </p:sp>
-      <p:sp>
-        <p:nvSpPr>
-          <p:cNvPr id="4" name="Текст 3"/>
+            <a:endParaRPr lang="en-US"/>
+          </a:p>
+        </p:txBody>
+      </p:sp>
+      <p:sp>
+        <p:nvSpPr>
+          <p:cNvPr id="4" name="Text Placeholder 3"/>
           <p:cNvSpPr>
             <a:spLocks noGrp="1"/>
           </p:cNvSpPr>
@@ -2949,15 +2949,15 @@
           <a:p>
             <a:pPr lvl="0"/>
             <a:r>
-              <a:rPr lang="ru-RU" smtClean="0"/>
-              <a:t>Образец текста</a:t>
-            </a:r>
-          </a:p>
-        </p:txBody>
-      </p:sp>
-      <p:sp>
-        <p:nvSpPr>
-          <p:cNvPr id="5" name="Дата 4"/>
+              <a:rPr lang="en-US" smtClean="0"/>
+              <a:t>Click to edit Master text styles</a:t>
+            </a:r>
+          </a:p>
+        </p:txBody>
+      </p:sp>
+      <p:sp>
+        <p:nvSpPr>
+          <p:cNvPr id="5" name="Date Placeholder 4"/>
           <p:cNvSpPr>
             <a:spLocks noGrp="1"/>
           </p:cNvSpPr>
@@ -2971,16 +2971,16 @@
           <a:lstStyle/>
           <a:p>
             <a:fld id="{A69D51E0-3758-456B-809F-07B187805C7D}" type="datetimeFigureOut">
-              <a:rPr lang="ru-RU" smtClean="0"/>
+              <a:rPr lang="en-US" smtClean="0"/>
               <a:t>22.10.2013</a:t>
             </a:fld>
-            <a:endParaRPr lang="ru-RU"/>
-          </a:p>
-        </p:txBody>
-      </p:sp>
-      <p:sp>
-        <p:nvSpPr>
-          <p:cNvPr id="6" name="Нижний колонтитул 5"/>
+            <a:endParaRPr lang="en-US"/>
+          </a:p>
+        </p:txBody>
+      </p:sp>
+      <p:sp>
+        <p:nvSpPr>
+          <p:cNvPr id="6" name="Footer Placeholder 5"/>
           <p:cNvSpPr>
             <a:spLocks noGrp="1"/>
           </p:cNvSpPr>
@@ -2993,13 +2993,13 @@
           <a:bodyPr/>
           <a:lstStyle/>
           <a:p>
-            <a:endParaRPr lang="ru-RU"/>
-          </a:p>
-        </p:txBody>
-      </p:sp>
-      <p:sp>
-        <p:nvSpPr>
-          <p:cNvPr id="7" name="Номер слайда 6"/>
+            <a:endParaRPr lang="en-US"/>
+          </a:p>
+        </p:txBody>
+      </p:sp>
+      <p:sp>
+        <p:nvSpPr>
+          <p:cNvPr id="7" name="Slide Number Placeholder 6"/>
           <p:cNvSpPr>
             <a:spLocks noGrp="1"/>
           </p:cNvSpPr>
@@ -3013,10 +3013,10 @@
           <a:lstStyle/>
           <a:p>
             <a:fld id="{4D3B38E7-149F-4D77-9EEF-9309C2CB69A9}" type="slidenum">
-              <a:rPr lang="ru-RU" smtClean="0"/>
+              <a:rPr lang="en-US" smtClean="0"/>
               <a:t>‹#›</a:t>
             </a:fld>
-            <a:endParaRPr lang="ru-RU"/>
+            <a:endParaRPr lang="en-US"/>
           </a:p>
         </p:txBody>
       </p:sp>
@@ -3334,7 +3334,7 @@
       </p:sp>
       <p:sp>
         <p:nvSpPr>
-          <p:cNvPr id="2" name="Заголовок 1"/>
+          <p:cNvPr id="2" name="Title 1"/>
           <p:cNvSpPr>
             <a:spLocks noGrp="1"/>
           </p:cNvSpPr>
@@ -3358,16 +3358,16 @@
           <a:lstStyle/>
           <a:p>
             <a:r>
-              <a:rPr lang="ru-RU" dirty="0" smtClean="0"/>
-              <a:t>Образец заголовка</a:t>
-            </a:r>
-            <a:endParaRPr lang="ru-RU" dirty="0"/>
-          </a:p>
-        </p:txBody>
-      </p:sp>
-      <p:sp>
-        <p:nvSpPr>
-          <p:cNvPr id="3" name="Текст 2"/>
+              <a:rPr lang="en-US" dirty="0" smtClean="0"/>
+              <a:t>Click to edit Master title style</a:t>
+            </a:r>
+            <a:endParaRPr lang="en-US" dirty="0"/>
+          </a:p>
+        </p:txBody>
+      </p:sp>
+      <p:sp>
+        <p:nvSpPr>
+          <p:cNvPr id="3" name="Text Placeholder 2"/>
           <p:cNvSpPr>
             <a:spLocks noGrp="1"/>
           </p:cNvSpPr>
@@ -3392,44 +3392,44 @@
           <a:p>
             <a:pPr lvl="0"/>
             <a:r>
-              <a:rPr lang="ru-RU" dirty="0" smtClean="0"/>
-              <a:t>Образец текста</a:t>
+              <a:rPr lang="en-US" dirty="0" smtClean="0"/>
+              <a:t>Click to edit Master text styles</a:t>
             </a:r>
           </a:p>
           <a:p>
             <a:pPr lvl="1"/>
             <a:r>
-              <a:rPr lang="ru-RU" dirty="0" smtClean="0"/>
-              <a:t>Второй уровень</a:t>
+              <a:rPr lang="en-US" dirty="0" smtClean="0"/>
+              <a:t>Second level</a:t>
             </a:r>
           </a:p>
           <a:p>
             <a:pPr lvl="2"/>
             <a:r>
-              <a:rPr lang="ru-RU" dirty="0" smtClean="0"/>
-              <a:t>Третий уровень</a:t>
+              <a:rPr lang="en-US" dirty="0" smtClean="0"/>
+              <a:t>Third level</a:t>
             </a:r>
           </a:p>
           <a:p>
             <a:pPr lvl="3"/>
             <a:r>
-              <a:rPr lang="ru-RU" dirty="0" smtClean="0"/>
-              <a:t>Четвертый уровень</a:t>
+              <a:rPr lang="en-US" dirty="0" smtClean="0"/>
+              <a:t>Fourth level</a:t>
             </a:r>
           </a:p>
           <a:p>
             <a:pPr lvl="4"/>
             <a:r>
-              <a:rPr lang="ru-RU" dirty="0" smtClean="0"/>
-              <a:t>Пятый уровень</a:t>
-            </a:r>
-            <a:endParaRPr lang="ru-RU" dirty="0"/>
-          </a:p>
-        </p:txBody>
-      </p:sp>
-      <p:sp>
-        <p:nvSpPr>
-          <p:cNvPr id="4" name="Дата 3"/>
+              <a:rPr lang="en-US" dirty="0" smtClean="0"/>
+              <a:t>Fifth level</a:t>
+            </a:r>
+            <a:endParaRPr lang="en-US" dirty="0"/>
+          </a:p>
+        </p:txBody>
+      </p:sp>
+      <p:sp>
+        <p:nvSpPr>
+          <p:cNvPr id="4" name="Date Placeholder 3"/>
           <p:cNvSpPr>
             <a:spLocks noGrp="1"/>
           </p:cNvSpPr>
@@ -3461,16 +3461,16 @@
           </a:lstStyle>
           <a:p>
             <a:fld id="{A69D51E0-3758-456B-809F-07B187805C7D}" type="datetimeFigureOut">
-              <a:rPr lang="ru-RU" smtClean="0"/>
+              <a:rPr lang="en-US" smtClean="0"/>
               <a:t>22.10.2013</a:t>
             </a:fld>
-            <a:endParaRPr lang="ru-RU"/>
-          </a:p>
-        </p:txBody>
-      </p:sp>
-      <p:sp>
-        <p:nvSpPr>
-          <p:cNvPr id="5" name="Нижний колонтитул 4"/>
+            <a:endParaRPr lang="en-US"/>
+          </a:p>
+        </p:txBody>
+      </p:sp>
+      <p:sp>
+        <p:nvSpPr>
+          <p:cNvPr id="5" name="Footer Placeholder 4"/>
           <p:cNvSpPr>
             <a:spLocks noGrp="1"/>
           </p:cNvSpPr>
@@ -3501,13 +3501,13 @@
             </a:lvl1pPr>
           </a:lstStyle>
           <a:p>
-            <a:endParaRPr lang="ru-RU"/>
-          </a:p>
-        </p:txBody>
-      </p:sp>
-      <p:sp>
-        <p:nvSpPr>
-          <p:cNvPr id="6" name="Номер слайда 5"/>
+            <a:endParaRPr lang="en-US"/>
+          </a:p>
+        </p:txBody>
+      </p:sp>
+      <p:sp>
+        <p:nvSpPr>
+          <p:cNvPr id="6" name="Slide Number Placeholder 5"/>
           <p:cNvSpPr>
             <a:spLocks noGrp="1"/>
           </p:cNvSpPr>
@@ -3539,10 +3539,10 @@
           </a:lstStyle>
           <a:p>
             <a:fld id="{4D3B38E7-149F-4D77-9EEF-9309C2CB69A9}" type="slidenum">
-              <a:rPr lang="ru-RU" smtClean="0"/>
+              <a:rPr lang="en-US" smtClean="0"/>
               <a:t>‹#›</a:t>
             </a:fld>
-            <a:endParaRPr lang="ru-RU"/>
+            <a:endParaRPr lang="en-US"/>
           </a:p>
         </p:txBody>
       </p:sp>
@@ -3741,7 +3741,7 @@
     </p:bodyStyle>
     <p:otherStyle>
       <a:defPPr>
-        <a:defRPr lang="ru-RU"/>
+        <a:defRPr lang="en-US"/>
       </a:defPPr>
       <a:lvl1pPr marL="0" algn="l" defTabSz="914400" rtl="0" eaLnBrk="1" latinLnBrk="0" hangingPunct="1">
         <a:defRPr sz="1800" kern="1200">
@@ -3857,7 +3857,7 @@
       </p:grpSpPr>
       <p:sp>
         <p:nvSpPr>
-          <p:cNvPr id="5" name="Подзаголовок 4"/>
+          <p:cNvPr id="5" name="Subtitle 4"/>
           <p:cNvSpPr>
             <a:spLocks noGrp="1"/>
           </p:cNvSpPr>
@@ -3872,13 +3872,13 @@
           </a:bodyPr>
           <a:lstStyle/>
           <a:p>
-            <a:endParaRPr lang="ru-RU"/>
-          </a:p>
-        </p:txBody>
-      </p:sp>
-      <p:sp>
-        <p:nvSpPr>
-          <p:cNvPr id="4" name="Заголовок 3"/>
+            <a:endParaRPr lang="en-US"/>
+          </a:p>
+        </p:txBody>
+      </p:sp>
+      <p:sp>
+        <p:nvSpPr>
+          <p:cNvPr id="4" name="Title 3"/>
           <p:cNvSpPr>
             <a:spLocks noGrp="1"/>
           </p:cNvSpPr>
@@ -3893,7 +3893,7 @@
           </a:bodyPr>
           <a:lstStyle/>
           <a:p>
-            <a:endParaRPr lang="ru-RU" dirty="0"/>
+            <a:endParaRPr lang="en-US" dirty="0"/>
           </a:p>
         </p:txBody>
       </p:sp>
@@ -3951,7 +3951,7 @@
         <a:srgbClr val="800080"/>
       </a:folHlink>
     </a:clrScheme>
-    <a:fontScheme name="Классическая 2">
+    <a:fontScheme name="Classic 2">
       <a:majorFont>
         <a:latin typeface="Arial"/>
         <a:ea typeface=""/>
@@ -4023,7 +4023,7 @@
         <a:font script="Geor" typeface="Sylfaen"/>
       </a:minorFont>
     </a:fontScheme>
-    <a:fmtScheme name="Стандартная">
+    <a:fmtScheme name="Standard">
       <a:fillStyleLst>
         <a:solidFill>
           <a:schemeClr val="phClr"/>
